--- a/FreeRTOS/presentación.pptx
+++ b/FreeRTOS/presentación.pptx
@@ -5,7 +5,7 @@
     <p:sldMasterId id="2147483695" r:id="rId1"/>
   </p:sldMasterIdLst>
   <p:notesMasterIdLst>
-    <p:notesMasterId r:id="rId8"/>
+    <p:notesMasterId r:id="rId15"/>
   </p:notesMasterIdLst>
   <p:sldIdLst>
     <p:sldId id="256" r:id="rId2"/>
@@ -13,7 +13,14 @@
     <p:sldId id="258" r:id="rId4"/>
     <p:sldId id="260" r:id="rId5"/>
     <p:sldId id="259" r:id="rId6"/>
-    <p:sldId id="261" r:id="rId7"/>
+    <p:sldId id="269" r:id="rId7"/>
+    <p:sldId id="262" r:id="rId8"/>
+    <p:sldId id="263" r:id="rId9"/>
+    <p:sldId id="264" r:id="rId10"/>
+    <p:sldId id="265" r:id="rId11"/>
+    <p:sldId id="266" r:id="rId12"/>
+    <p:sldId id="267" r:id="rId13"/>
+    <p:sldId id="268" r:id="rId14"/>
   </p:sldIdLst>
   <p:sldSz cx="12192000" cy="6858000"/>
   <p:notesSz cx="6858000" cy="9144000"/>
@@ -759,6 +766,125 @@
     <p:extLst>
       <p:ext uri="{BB962C8B-B14F-4D97-AF65-F5344CB8AC3E}">
         <p14:creationId xmlns:p14="http://schemas.microsoft.com/office/powerpoint/2010/main" val="3691914075"/>
+      </p:ext>
+    </p:extLst>
+  </p:cSld>
+  <p:clrMapOvr>
+    <a:masterClrMapping/>
+  </p:clrMapOvr>
+</p:notes>
+</file>
+
+<file path=ppt/notesSlides/notesSlide3.xml><?xml version="1.0" encoding="utf-8"?>
+<p:notes xmlns:a="http://schemas.openxmlformats.org/drawingml/2006/main" xmlns:r="http://schemas.openxmlformats.org/officeDocument/2006/relationships" xmlns:p="http://schemas.openxmlformats.org/presentationml/2006/main">
+  <p:cSld>
+    <p:spTree>
+      <p:nvGrpSpPr>
+        <p:cNvPr id="1" name=""/>
+        <p:cNvGrpSpPr/>
+        <p:nvPr/>
+      </p:nvGrpSpPr>
+      <p:grpSpPr>
+        <a:xfrm>
+          <a:off x="0" y="0"/>
+          <a:ext cx="0" cy="0"/>
+          <a:chOff x="0" y="0"/>
+          <a:chExt cx="0" cy="0"/>
+        </a:xfrm>
+      </p:grpSpPr>
+      <p:sp>
+        <p:nvSpPr>
+          <p:cNvPr id="2" name="Marcador de imagen de diapositiva 1"/>
+          <p:cNvSpPr>
+            <a:spLocks noGrp="1" noRot="1" noChangeAspect="1"/>
+          </p:cNvSpPr>
+          <p:nvPr>
+            <p:ph type="sldImg"/>
+          </p:nvPr>
+        </p:nvSpPr>
+        <p:spPr/>
+      </p:sp>
+      <p:sp>
+        <p:nvSpPr>
+          <p:cNvPr id="3" name="Marcador de notas 2"/>
+          <p:cNvSpPr>
+            <a:spLocks noGrp="1"/>
+          </p:cNvSpPr>
+          <p:nvPr>
+            <p:ph type="body" idx="1"/>
+          </p:nvPr>
+        </p:nvSpPr>
+        <p:spPr/>
+        <p:txBody>
+          <a:bodyPr/>
+          <a:lstStyle/>
+          <a:p>
+            <a:r>
+              <a:rPr lang="es-ES" dirty="0" smtClean="0"/>
+              <a:t>Sistemas 1 procesador:</a:t>
+            </a:r>
+            <a:r>
+              <a:rPr lang="es-ES" baseline="0" dirty="0" smtClean="0"/>
+              <a:t> </a:t>
+            </a:r>
+            <a:r>
+              <a:rPr lang="es-ES" dirty="0" smtClean="0"/>
+              <a:t>Tareas ejecución o no ejecución.</a:t>
+            </a:r>
+            <a:r>
+              <a:rPr lang="es-ES" baseline="0" dirty="0" smtClean="0"/>
+              <a:t> No ejecución: suspendida, bloqueada o preparada.</a:t>
+            </a:r>
+            <a:endParaRPr lang="es-ES" dirty="0" smtClean="0"/>
+          </a:p>
+          <a:p>
+            <a:r>
+              <a:rPr lang="es-ES" dirty="0" smtClean="0"/>
+              <a:t>Esquema</a:t>
+            </a:r>
+            <a:r>
+              <a:rPr lang="es-ES" baseline="0" dirty="0" smtClean="0"/>
+              <a:t> 1: No permite liberar memoria una vez asignada, para RTOS que requieran crear todas las tareas y colas antes de iniciar el </a:t>
+            </a:r>
+            <a:r>
+              <a:rPr lang="es-ES" baseline="0" dirty="0" err="1" smtClean="0"/>
+              <a:t>kernel</a:t>
+            </a:r>
+            <a:r>
+              <a:rPr lang="es-ES" baseline="0" dirty="0" smtClean="0"/>
+              <a:t>. Esquema 2: Utiliza un mejor algoritmo de ajuste y permite la liberación, sin embargo, no ofrece reordenación, para RTOS que requieran crear dinámicamente las tareas. </a:t>
+            </a:r>
+            <a:endParaRPr lang="es-ES" dirty="0"/>
+          </a:p>
+        </p:txBody>
+      </p:sp>
+      <p:sp>
+        <p:nvSpPr>
+          <p:cNvPr id="4" name="Marcador de número de diapositiva 3"/>
+          <p:cNvSpPr>
+            <a:spLocks noGrp="1"/>
+          </p:cNvSpPr>
+          <p:nvPr>
+            <p:ph type="sldNum" sz="quarter" idx="10"/>
+          </p:nvPr>
+        </p:nvSpPr>
+        <p:spPr/>
+        <p:txBody>
+          <a:bodyPr/>
+          <a:lstStyle/>
+          <a:p>
+            <a:fld id="{99C55A43-830F-46D0-A6FA-38A773DA8C3F}" type="slidenum">
+              <a:rPr lang="es-ES" smtClean="0"/>
+              <a:t>6</a:t>
+            </a:fld>
+            <a:endParaRPr lang="es-ES"/>
+          </a:p>
+        </p:txBody>
+      </p:sp>
+    </p:spTree>
+    <p:extLst>
+      <p:ext uri="{BB962C8B-B14F-4D97-AF65-F5344CB8AC3E}">
+        <p14:creationId xmlns:p14="http://schemas.microsoft.com/office/powerpoint/2010/main" val="2262751341"/>
       </p:ext>
     </p:extLst>
   </p:cSld>
@@ -6552,10 +6678,743 @@
           </a:p>
         </p:txBody>
       </p:sp>
+      <p:sp>
+        <p:nvSpPr>
+          <p:cNvPr id="5" name="CuadroTexto 4"/>
+          <p:cNvSpPr txBox="1"/>
+          <p:nvPr/>
+        </p:nvSpPr>
+        <p:spPr>
+          <a:xfrm>
+            <a:off x="10235821" y="6100550"/>
+            <a:ext cx="1392071" cy="430887"/>
+          </a:xfrm>
+          <a:prstGeom prst="rect">
+            <a:avLst/>
+          </a:prstGeom>
+          <a:noFill/>
+        </p:spPr>
+        <p:txBody>
+          <a:bodyPr wrap="square" rtlCol="0">
+            <a:spAutoFit/>
+          </a:bodyPr>
+          <a:lstStyle/>
+          <a:p>
+            <a:r>
+              <a:rPr lang="es-ES" sz="1050" dirty="0" smtClean="0"/>
+              <a:t>Pablo Ráez Sánchez</a:t>
+            </a:r>
+          </a:p>
+          <a:p>
+            <a:r>
+              <a:rPr lang="es-ES" sz="1050" dirty="0" smtClean="0"/>
+              <a:t>Adrián Ripoll Casas</a:t>
+            </a:r>
+            <a:endParaRPr lang="es-ES" sz="1050" dirty="0"/>
+          </a:p>
+        </p:txBody>
+      </p:sp>
     </p:spTree>
     <p:extLst>
       <p:ext uri="{BB962C8B-B14F-4D97-AF65-F5344CB8AC3E}">
         <p14:creationId xmlns:p14="http://schemas.microsoft.com/office/powerpoint/2010/main" val="3069581057"/>
+      </p:ext>
+    </p:extLst>
+  </p:cSld>
+  <p:clrMapOvr>
+    <a:masterClrMapping/>
+  </p:clrMapOvr>
+  <p:timing>
+    <p:tnLst>
+      <p:par>
+        <p:cTn id="1" dur="indefinite" restart="never" nodeType="tmRoot"/>
+      </p:par>
+    </p:tnLst>
+  </p:timing>
+</p:sld>
+</file>
+
+<file path=ppt/slides/slide10.xml><?xml version="1.0" encoding="utf-8"?>
+<p:sld xmlns:a="http://schemas.openxmlformats.org/drawingml/2006/main" xmlns:r="http://schemas.openxmlformats.org/officeDocument/2006/relationships" xmlns:p="http://schemas.openxmlformats.org/presentationml/2006/main">
+  <p:cSld>
+    <p:spTree>
+      <p:nvGrpSpPr>
+        <p:cNvPr id="1" name=""/>
+        <p:cNvGrpSpPr/>
+        <p:nvPr/>
+      </p:nvGrpSpPr>
+      <p:grpSpPr>
+        <a:xfrm>
+          <a:off x="0" y="0"/>
+          <a:ext cx="0" cy="0"/>
+          <a:chOff x="0" y="0"/>
+          <a:chExt cx="0" cy="0"/>
+        </a:xfrm>
+      </p:grpSpPr>
+      <p:sp>
+        <p:nvSpPr>
+          <p:cNvPr id="2" name="Título 1"/>
+          <p:cNvSpPr>
+            <a:spLocks noGrp="1"/>
+          </p:cNvSpPr>
+          <p:nvPr>
+            <p:ph type="title"/>
+          </p:nvPr>
+        </p:nvSpPr>
+        <p:spPr/>
+        <p:txBody>
+          <a:bodyPr/>
+          <a:lstStyle/>
+          <a:p>
+            <a:r>
+              <a:rPr lang="es-ES" dirty="0" smtClean="0"/>
+              <a:t>Abriendo el </a:t>
+            </a:r>
+            <a:r>
+              <a:rPr lang="es-ES" dirty="0" err="1" smtClean="0"/>
+              <a:t>sdk</a:t>
+            </a:r>
+            <a:endParaRPr lang="es-ES" dirty="0"/>
+          </a:p>
+        </p:txBody>
+      </p:sp>
+      <p:sp>
+        <p:nvSpPr>
+          <p:cNvPr id="4" name="Marcador de número de diapositiva 3"/>
+          <p:cNvSpPr>
+            <a:spLocks noGrp="1"/>
+          </p:cNvSpPr>
+          <p:nvPr>
+            <p:ph type="sldNum" sz="quarter" idx="12"/>
+          </p:nvPr>
+        </p:nvSpPr>
+        <p:spPr/>
+        <p:txBody>
+          <a:bodyPr/>
+          <a:lstStyle/>
+          <a:p>
+            <a:fld id="{F6E37DCB-E371-4D1B-87CF-D1C21CC4CB5D}" type="slidenum">
+              <a:rPr lang="es-ES" smtClean="0"/>
+              <a:t>10</a:t>
+            </a:fld>
+            <a:endParaRPr lang="es-ES"/>
+          </a:p>
+        </p:txBody>
+      </p:sp>
+      <p:pic>
+        <p:nvPicPr>
+          <p:cNvPr id="5122" name="Picture 2" descr="C:\Users\Paolo\AppData\Local\Temp\x10sctmp3.png"/>
+          <p:cNvPicPr>
+            <a:picLocks noGrp="1" noChangeAspect="1" noChangeArrowheads="1"/>
+          </p:cNvPicPr>
+          <p:nvPr>
+            <p:ph idx="1"/>
+          </p:nvPr>
+        </p:nvPicPr>
+        <p:blipFill>
+          <a:blip r:embed="rId2">
+            <a:extLst>
+              <a:ext uri="{28A0092B-C50C-407E-A947-70E740481C1C}">
+                <a14:useLocalDpi xmlns:a14="http://schemas.microsoft.com/office/drawing/2010/main" val="0"/>
+              </a:ext>
+            </a:extLst>
+          </a:blip>
+          <a:srcRect/>
+          <a:stretch>
+            <a:fillRect/>
+          </a:stretch>
+        </p:blipFill>
+        <p:spPr bwMode="auto">
+          <a:xfrm>
+            <a:off x="6991966" y="609600"/>
+            <a:ext cx="3825260" cy="5638535"/>
+          </a:xfrm>
+          <a:prstGeom prst="rect">
+            <a:avLst/>
+          </a:prstGeom>
+          <a:noFill/>
+          <a:extLst>
+            <a:ext uri="{909E8E84-426E-40DD-AFC4-6F175D3DCCD1}">
+              <a14:hiddenFill xmlns:a14="http://schemas.microsoft.com/office/drawing/2010/main">
+                <a:solidFill>
+                  <a:srgbClr val="FFFFFF"/>
+                </a:solidFill>
+              </a14:hiddenFill>
+            </a:ext>
+          </a:extLst>
+        </p:spPr>
+      </p:pic>
+      <p:sp>
+        <p:nvSpPr>
+          <p:cNvPr id="5" name="CuadroTexto 4"/>
+          <p:cNvSpPr txBox="1"/>
+          <p:nvPr/>
+        </p:nvSpPr>
+        <p:spPr>
+          <a:xfrm>
+            <a:off x="685801" y="1842448"/>
+            <a:ext cx="5537578" cy="2585323"/>
+          </a:xfrm>
+          <a:prstGeom prst="rect">
+            <a:avLst/>
+          </a:prstGeom>
+          <a:noFill/>
+        </p:spPr>
+        <p:txBody>
+          <a:bodyPr wrap="square" rtlCol="0">
+            <a:spAutoFit/>
+          </a:bodyPr>
+          <a:lstStyle/>
+          <a:p>
+            <a:r>
+              <a:rPr lang="es-ES" dirty="0" smtClean="0"/>
+              <a:t>Una vez generado el </a:t>
+            </a:r>
+            <a:r>
+              <a:rPr lang="es-ES" dirty="0" err="1" smtClean="0"/>
+              <a:t>bitstream</a:t>
+            </a:r>
+            <a:r>
+              <a:rPr lang="es-ES" dirty="0" smtClean="0"/>
+              <a:t>, se pasa a abrir el SDK para programar el hardware. </a:t>
+            </a:r>
+          </a:p>
+          <a:p>
+            <a:endParaRPr lang="es-ES" dirty="0" smtClean="0"/>
+          </a:p>
+          <a:p>
+            <a:r>
+              <a:rPr lang="es-ES" dirty="0" smtClean="0"/>
+              <a:t>En esta imagen se puede ver la asignación de direcciones de bus a los periféricos. </a:t>
+            </a:r>
+          </a:p>
+          <a:p>
+            <a:endParaRPr lang="es-ES" dirty="0"/>
+          </a:p>
+          <a:p>
+            <a:r>
+              <a:rPr lang="es-ES" dirty="0" smtClean="0"/>
+              <a:t>Además, se generan definiciones.</a:t>
+            </a:r>
+          </a:p>
+          <a:p>
+            <a:endParaRPr lang="es-ES" dirty="0"/>
+          </a:p>
+          <a:p>
+            <a:r>
+              <a:rPr lang="es-ES" b="1" dirty="0"/>
+              <a:t>#define XPAR_LEDS_4BITS_BASEADDR 0x41210000</a:t>
+            </a:r>
+            <a:endParaRPr lang="es-ES" dirty="0"/>
+          </a:p>
+        </p:txBody>
+      </p:sp>
+    </p:spTree>
+    <p:extLst>
+      <p:ext uri="{BB962C8B-B14F-4D97-AF65-F5344CB8AC3E}">
+        <p14:creationId xmlns:p14="http://schemas.microsoft.com/office/powerpoint/2010/main" val="193490760"/>
+      </p:ext>
+    </p:extLst>
+  </p:cSld>
+  <p:clrMapOvr>
+    <a:masterClrMapping/>
+  </p:clrMapOvr>
+  <p:timing>
+    <p:tnLst>
+      <p:par>
+        <p:cTn id="1" dur="indefinite" restart="never" nodeType="tmRoot"/>
+      </p:par>
+    </p:tnLst>
+  </p:timing>
+</p:sld>
+</file>
+
+<file path=ppt/slides/slide11.xml><?xml version="1.0" encoding="utf-8"?>
+<p:sld xmlns:a="http://schemas.openxmlformats.org/drawingml/2006/main" xmlns:r="http://schemas.openxmlformats.org/officeDocument/2006/relationships" xmlns:p="http://schemas.openxmlformats.org/presentationml/2006/main">
+  <p:cSld>
+    <p:spTree>
+      <p:nvGrpSpPr>
+        <p:cNvPr id="1" name=""/>
+        <p:cNvGrpSpPr/>
+        <p:nvPr/>
+      </p:nvGrpSpPr>
+      <p:grpSpPr>
+        <a:xfrm>
+          <a:off x="0" y="0"/>
+          <a:ext cx="0" cy="0"/>
+          <a:chOff x="0" y="0"/>
+          <a:chExt cx="0" cy="0"/>
+        </a:xfrm>
+      </p:grpSpPr>
+      <p:sp>
+        <p:nvSpPr>
+          <p:cNvPr id="2" name="Título 1"/>
+          <p:cNvSpPr>
+            <a:spLocks noGrp="1"/>
+          </p:cNvSpPr>
+          <p:nvPr>
+            <p:ph type="title"/>
+          </p:nvPr>
+        </p:nvSpPr>
+        <p:spPr/>
+        <p:txBody>
+          <a:bodyPr/>
+          <a:lstStyle/>
+          <a:p>
+            <a:r>
+              <a:rPr lang="es-ES" dirty="0" smtClean="0"/>
+              <a:t>Importación de </a:t>
+            </a:r>
+            <a:r>
+              <a:rPr lang="es-ES" dirty="0" err="1" smtClean="0"/>
+              <a:t>FreeRTOS</a:t>
+            </a:r>
+            <a:endParaRPr lang="es-ES" dirty="0"/>
+          </a:p>
+        </p:txBody>
+      </p:sp>
+      <p:sp>
+        <p:nvSpPr>
+          <p:cNvPr id="3" name="Marcador de contenido 2"/>
+          <p:cNvSpPr>
+            <a:spLocks noGrp="1"/>
+          </p:cNvSpPr>
+          <p:nvPr>
+            <p:ph idx="1"/>
+          </p:nvPr>
+        </p:nvSpPr>
+        <p:spPr>
+          <a:xfrm>
+            <a:off x="685802" y="2142067"/>
+            <a:ext cx="5100850" cy="3649133"/>
+          </a:xfrm>
+        </p:spPr>
+        <p:txBody>
+          <a:bodyPr/>
+          <a:lstStyle/>
+          <a:p>
+            <a:r>
+              <a:rPr lang="es-ES" dirty="0" smtClean="0"/>
+              <a:t>Hay que crear un proyecto en el SDK con su correspondiente BSP</a:t>
+            </a:r>
+          </a:p>
+          <a:p>
+            <a:r>
+              <a:rPr lang="es-ES" dirty="0" smtClean="0"/>
+              <a:t>Hay que añadir el código fuente del sistema operativo</a:t>
+            </a:r>
+          </a:p>
+          <a:p>
+            <a:r>
+              <a:rPr lang="es-ES" dirty="0" smtClean="0"/>
+              <a:t>Además, hay que ajustar algunos datos, como la frecuencia del reloj, granularidad, </a:t>
+            </a:r>
+            <a:r>
+              <a:rPr lang="es-ES" dirty="0" err="1" smtClean="0"/>
+              <a:t>etc</a:t>
+            </a:r>
+            <a:endParaRPr lang="es-ES" dirty="0"/>
+          </a:p>
+        </p:txBody>
+      </p:sp>
+      <p:sp>
+        <p:nvSpPr>
+          <p:cNvPr id="4" name="Marcador de número de diapositiva 3"/>
+          <p:cNvSpPr>
+            <a:spLocks noGrp="1"/>
+          </p:cNvSpPr>
+          <p:nvPr>
+            <p:ph type="sldNum" sz="quarter" idx="12"/>
+          </p:nvPr>
+        </p:nvSpPr>
+        <p:spPr/>
+        <p:txBody>
+          <a:bodyPr/>
+          <a:lstStyle/>
+          <a:p>
+            <a:fld id="{F6E37DCB-E371-4D1B-87CF-D1C21CC4CB5D}" type="slidenum">
+              <a:rPr lang="es-ES" smtClean="0"/>
+              <a:t>11</a:t>
+            </a:fld>
+            <a:endParaRPr lang="es-ES"/>
+          </a:p>
+        </p:txBody>
+      </p:sp>
+      <p:pic>
+        <p:nvPicPr>
+          <p:cNvPr id="6146" name="Picture 2" descr="C:\Users\Paolo\AppData\Local\Temp\x10sctmp4.png"/>
+          <p:cNvPicPr>
+            <a:picLocks noChangeAspect="1" noChangeArrowheads="1"/>
+          </p:cNvPicPr>
+          <p:nvPr/>
+        </p:nvPicPr>
+        <p:blipFill>
+          <a:blip r:embed="rId2">
+            <a:extLst>
+              <a:ext uri="{28A0092B-C50C-407E-A947-70E740481C1C}">
+                <a14:useLocalDpi xmlns:a14="http://schemas.microsoft.com/office/drawing/2010/main" val="0"/>
+              </a:ext>
+            </a:extLst>
+          </a:blip>
+          <a:srcRect/>
+          <a:stretch>
+            <a:fillRect/>
+          </a:stretch>
+        </p:blipFill>
+        <p:spPr bwMode="auto">
+          <a:xfrm>
+            <a:off x="7307002" y="152400"/>
+            <a:ext cx="2396556" cy="6448914"/>
+          </a:xfrm>
+          <a:prstGeom prst="rect">
+            <a:avLst/>
+          </a:prstGeom>
+          <a:noFill/>
+          <a:extLst>
+            <a:ext uri="{909E8E84-426E-40DD-AFC4-6F175D3DCCD1}">
+              <a14:hiddenFill xmlns:a14="http://schemas.microsoft.com/office/drawing/2010/main">
+                <a:solidFill>
+                  <a:srgbClr val="FFFFFF"/>
+                </a:solidFill>
+              </a14:hiddenFill>
+            </a:ext>
+          </a:extLst>
+        </p:spPr>
+      </p:pic>
+    </p:spTree>
+    <p:extLst>
+      <p:ext uri="{BB962C8B-B14F-4D97-AF65-F5344CB8AC3E}">
+        <p14:creationId xmlns:p14="http://schemas.microsoft.com/office/powerpoint/2010/main" val="1638354913"/>
+      </p:ext>
+    </p:extLst>
+  </p:cSld>
+  <p:clrMapOvr>
+    <a:masterClrMapping/>
+  </p:clrMapOvr>
+  <p:timing>
+    <p:tnLst>
+      <p:par>
+        <p:cTn id="1" dur="indefinite" restart="never" nodeType="tmRoot"/>
+      </p:par>
+    </p:tnLst>
+  </p:timing>
+</p:sld>
+</file>
+
+<file path=ppt/slides/slide12.xml><?xml version="1.0" encoding="utf-8"?>
+<p:sld xmlns:a="http://schemas.openxmlformats.org/drawingml/2006/main" xmlns:r="http://schemas.openxmlformats.org/officeDocument/2006/relationships" xmlns:p="http://schemas.openxmlformats.org/presentationml/2006/main">
+  <p:cSld>
+    <p:spTree>
+      <p:nvGrpSpPr>
+        <p:cNvPr id="1" name=""/>
+        <p:cNvGrpSpPr/>
+        <p:nvPr/>
+      </p:nvGrpSpPr>
+      <p:grpSpPr>
+        <a:xfrm>
+          <a:off x="0" y="0"/>
+          <a:ext cx="0" cy="0"/>
+          <a:chOff x="0" y="0"/>
+          <a:chExt cx="0" cy="0"/>
+        </a:xfrm>
+      </p:grpSpPr>
+      <p:sp>
+        <p:nvSpPr>
+          <p:cNvPr id="2" name="Título 1"/>
+          <p:cNvSpPr>
+            <a:spLocks noGrp="1"/>
+          </p:cNvSpPr>
+          <p:nvPr>
+            <p:ph type="title"/>
+          </p:nvPr>
+        </p:nvSpPr>
+        <p:spPr/>
+        <p:txBody>
+          <a:bodyPr/>
+          <a:lstStyle/>
+          <a:p>
+            <a:r>
+              <a:rPr lang="es-ES" dirty="0" smtClean="0"/>
+              <a:t>Edición de </a:t>
+            </a:r>
+            <a:r>
+              <a:rPr lang="es-ES" dirty="0" err="1" smtClean="0"/>
+              <a:t>Main.c</a:t>
+            </a:r>
+            <a:endParaRPr lang="es-ES" dirty="0"/>
+          </a:p>
+        </p:txBody>
+      </p:sp>
+      <p:sp>
+        <p:nvSpPr>
+          <p:cNvPr id="4" name="Marcador de número de diapositiva 3"/>
+          <p:cNvSpPr>
+            <a:spLocks noGrp="1"/>
+          </p:cNvSpPr>
+          <p:nvPr>
+            <p:ph type="sldNum" sz="quarter" idx="12"/>
+          </p:nvPr>
+        </p:nvSpPr>
+        <p:spPr/>
+        <p:txBody>
+          <a:bodyPr/>
+          <a:lstStyle/>
+          <a:p>
+            <a:fld id="{F6E37DCB-E371-4D1B-87CF-D1C21CC4CB5D}" type="slidenum">
+              <a:rPr lang="es-ES" smtClean="0"/>
+              <a:t>12</a:t>
+            </a:fld>
+            <a:endParaRPr lang="es-ES"/>
+          </a:p>
+        </p:txBody>
+      </p:sp>
+      <p:pic>
+        <p:nvPicPr>
+          <p:cNvPr id="7170" name="Picture 2" descr="C:\Users\Paolo\AppData\Local\Temp\x10sctmp5.png"/>
+          <p:cNvPicPr>
+            <a:picLocks noGrp="1" noChangeAspect="1" noChangeArrowheads="1"/>
+          </p:cNvPicPr>
+          <p:nvPr>
+            <p:ph idx="1"/>
+          </p:nvPr>
+        </p:nvPicPr>
+        <p:blipFill>
+          <a:blip r:embed="rId2">
+            <a:extLst>
+              <a:ext uri="{28A0092B-C50C-407E-A947-70E740481C1C}">
+                <a14:useLocalDpi xmlns:a14="http://schemas.microsoft.com/office/drawing/2010/main" val="0"/>
+              </a:ext>
+            </a:extLst>
+          </a:blip>
+          <a:srcRect/>
+          <a:stretch>
+            <a:fillRect/>
+          </a:stretch>
+        </p:blipFill>
+        <p:spPr bwMode="auto">
+          <a:xfrm>
+            <a:off x="1774614" y="1869743"/>
+            <a:ext cx="8524552" cy="4644788"/>
+          </a:xfrm>
+          <a:prstGeom prst="rect">
+            <a:avLst/>
+          </a:prstGeom>
+          <a:noFill/>
+          <a:extLst>
+            <a:ext uri="{909E8E84-426E-40DD-AFC4-6F175D3DCCD1}">
+              <a14:hiddenFill xmlns:a14="http://schemas.microsoft.com/office/drawing/2010/main">
+                <a:solidFill>
+                  <a:srgbClr val="FFFFFF"/>
+                </a:solidFill>
+              </a14:hiddenFill>
+            </a:ext>
+          </a:extLst>
+        </p:spPr>
+      </p:pic>
+    </p:spTree>
+    <p:extLst>
+      <p:ext uri="{BB962C8B-B14F-4D97-AF65-F5344CB8AC3E}">
+        <p14:creationId xmlns:p14="http://schemas.microsoft.com/office/powerpoint/2010/main" val="2412007551"/>
+      </p:ext>
+    </p:extLst>
+  </p:cSld>
+  <p:clrMapOvr>
+    <a:masterClrMapping/>
+  </p:clrMapOvr>
+  <p:timing>
+    <p:tnLst>
+      <p:par>
+        <p:cTn id="1" dur="indefinite" restart="never" nodeType="tmRoot"/>
+      </p:par>
+    </p:tnLst>
+  </p:timing>
+</p:sld>
+</file>
+
+<file path=ppt/slides/slide13.xml><?xml version="1.0" encoding="utf-8"?>
+<p:sld xmlns:a="http://schemas.openxmlformats.org/drawingml/2006/main" xmlns:r="http://schemas.openxmlformats.org/officeDocument/2006/relationships" xmlns:p="http://schemas.openxmlformats.org/presentationml/2006/main">
+  <p:cSld>
+    <p:spTree>
+      <p:nvGrpSpPr>
+        <p:cNvPr id="1" name=""/>
+        <p:cNvGrpSpPr/>
+        <p:nvPr/>
+      </p:nvGrpSpPr>
+      <p:grpSpPr>
+        <a:xfrm>
+          <a:off x="0" y="0"/>
+          <a:ext cx="0" cy="0"/>
+          <a:chOff x="0" y="0"/>
+          <a:chExt cx="0" cy="0"/>
+        </a:xfrm>
+      </p:grpSpPr>
+      <p:sp>
+        <p:nvSpPr>
+          <p:cNvPr id="2" name="Título 1"/>
+          <p:cNvSpPr>
+            <a:spLocks noGrp="1"/>
+          </p:cNvSpPr>
+          <p:nvPr>
+            <p:ph type="title"/>
+          </p:nvPr>
+        </p:nvSpPr>
+        <p:spPr/>
+        <p:txBody>
+          <a:bodyPr/>
+          <a:lstStyle/>
+          <a:p>
+            <a:r>
+              <a:rPr lang="es-ES" dirty="0" smtClean="0"/>
+              <a:t>Edición de </a:t>
+            </a:r>
+            <a:r>
+              <a:rPr lang="es-ES" dirty="0" err="1" smtClean="0"/>
+              <a:t>Main.c</a:t>
+            </a:r>
+            <a:endParaRPr lang="es-ES" dirty="0"/>
+          </a:p>
+        </p:txBody>
+      </p:sp>
+      <p:sp>
+        <p:nvSpPr>
+          <p:cNvPr id="4" name="Marcador de número de diapositiva 3"/>
+          <p:cNvSpPr>
+            <a:spLocks noGrp="1"/>
+          </p:cNvSpPr>
+          <p:nvPr>
+            <p:ph type="sldNum" sz="quarter" idx="12"/>
+          </p:nvPr>
+        </p:nvSpPr>
+        <p:spPr/>
+        <p:txBody>
+          <a:bodyPr/>
+          <a:lstStyle/>
+          <a:p>
+            <a:fld id="{F6E37DCB-E371-4D1B-87CF-D1C21CC4CB5D}" type="slidenum">
+              <a:rPr lang="es-ES" smtClean="0"/>
+              <a:t>13</a:t>
+            </a:fld>
+            <a:endParaRPr lang="es-ES"/>
+          </a:p>
+        </p:txBody>
+      </p:sp>
+      <p:pic>
+        <p:nvPicPr>
+          <p:cNvPr id="8194" name="Picture 2" descr="C:\Users\Paolo\AppData\Local\Temp\x10sctmp6.png"/>
+          <p:cNvPicPr>
+            <a:picLocks noGrp="1" noChangeAspect="1" noChangeArrowheads="1"/>
+          </p:cNvPicPr>
+          <p:nvPr>
+            <p:ph idx="1"/>
+          </p:nvPr>
+        </p:nvPicPr>
+        <p:blipFill>
+          <a:blip r:embed="rId2">
+            <a:extLst>
+              <a:ext uri="{28A0092B-C50C-407E-A947-70E740481C1C}">
+                <a14:useLocalDpi xmlns:a14="http://schemas.microsoft.com/office/drawing/2010/main" val="0"/>
+              </a:ext>
+            </a:extLst>
+          </a:blip>
+          <a:srcRect/>
+          <a:stretch>
+            <a:fillRect/>
+          </a:stretch>
+        </p:blipFill>
+        <p:spPr bwMode="auto">
+          <a:xfrm>
+            <a:off x="5093799" y="609600"/>
+            <a:ext cx="6220195" cy="5808262"/>
+          </a:xfrm>
+          <a:prstGeom prst="rect">
+            <a:avLst/>
+          </a:prstGeom>
+          <a:noFill/>
+          <a:extLst>
+            <a:ext uri="{909E8E84-426E-40DD-AFC4-6F175D3DCCD1}">
+              <a14:hiddenFill xmlns:a14="http://schemas.microsoft.com/office/drawing/2010/main">
+                <a:solidFill>
+                  <a:srgbClr val="FFFFFF"/>
+                </a:solidFill>
+              </a14:hiddenFill>
+            </a:ext>
+          </a:extLst>
+        </p:spPr>
+      </p:pic>
+      <p:sp>
+        <p:nvSpPr>
+          <p:cNvPr id="5" name="CuadroTexto 4"/>
+          <p:cNvSpPr txBox="1"/>
+          <p:nvPr/>
+        </p:nvSpPr>
+        <p:spPr>
+          <a:xfrm>
+            <a:off x="1598494" y="2347415"/>
+            <a:ext cx="1402306" cy="369332"/>
+          </a:xfrm>
+          <a:prstGeom prst="rect">
+            <a:avLst/>
+          </a:prstGeom>
+          <a:noFill/>
+        </p:spPr>
+        <p:txBody>
+          <a:bodyPr wrap="square" rtlCol="0">
+            <a:spAutoFit/>
+          </a:bodyPr>
+          <a:lstStyle/>
+          <a:p>
+            <a:r>
+              <a:rPr lang="es-ES" dirty="0" smtClean="0">
+                <a:hlinkClick r:id="rId3"/>
+              </a:rPr>
+              <a:t>Repositorio</a:t>
+            </a:r>
+            <a:endParaRPr lang="es-ES" dirty="0"/>
+          </a:p>
+        </p:txBody>
+      </p:sp>
+      <p:sp>
+        <p:nvSpPr>
+          <p:cNvPr id="6" name="CuadroTexto 5"/>
+          <p:cNvSpPr txBox="1"/>
+          <p:nvPr/>
+        </p:nvSpPr>
+        <p:spPr>
+          <a:xfrm>
+            <a:off x="1596676" y="2716747"/>
+            <a:ext cx="1934569" cy="369332"/>
+          </a:xfrm>
+          <a:prstGeom prst="rect">
+            <a:avLst/>
+          </a:prstGeom>
+          <a:noFill/>
+        </p:spPr>
+        <p:txBody>
+          <a:bodyPr wrap="square" rtlCol="0">
+            <a:spAutoFit/>
+          </a:bodyPr>
+          <a:lstStyle/>
+          <a:p>
+            <a:r>
+              <a:rPr lang="es-ES" dirty="0" smtClean="0">
+                <a:hlinkClick r:id="rId4"/>
+              </a:rPr>
+              <a:t>API </a:t>
+            </a:r>
+            <a:r>
+              <a:rPr lang="es-ES" dirty="0" err="1" smtClean="0">
+                <a:hlinkClick r:id="rId4"/>
+              </a:rPr>
+              <a:t>FreeRTOS</a:t>
+            </a:r>
+            <a:endParaRPr lang="es-ES" dirty="0"/>
+          </a:p>
+        </p:txBody>
+      </p:sp>
+    </p:spTree>
+    <p:extLst>
+      <p:ext uri="{BB962C8B-B14F-4D97-AF65-F5344CB8AC3E}">
+        <p14:creationId xmlns:p14="http://schemas.microsoft.com/office/powerpoint/2010/main" val="559730338"/>
       </p:ext>
     </p:extLst>
   </p:cSld>
@@ -7266,7 +8125,15 @@
           <a:p>
             <a:r>
               <a:rPr lang="es-ES" dirty="0" smtClean="0"/>
-              <a:t>Es un software de alta complejidad</a:t>
+              <a:t>Funciones de alta complejidad (como </a:t>
+            </a:r>
+            <a:r>
+              <a:rPr lang="es-ES" dirty="0" err="1" smtClean="0"/>
+              <a:t>debug</a:t>
+            </a:r>
+            <a:r>
+              <a:rPr lang="es-ES" dirty="0" smtClean="0"/>
+              <a:t> a nivel Hardware)</a:t>
             </a:r>
           </a:p>
           <a:p>
@@ -7467,12 +8334,69 @@
             <p:ph idx="1"/>
           </p:nvPr>
         </p:nvSpPr>
-        <p:spPr/>
-        <p:txBody>
-          <a:bodyPr/>
-          <a:lstStyle/>
-          <a:p>
-            <a:endParaRPr lang="es-ES"/>
+        <p:spPr>
+          <a:xfrm>
+            <a:off x="685802" y="2142067"/>
+            <a:ext cx="7979228" cy="3649133"/>
+          </a:xfrm>
+        </p:spPr>
+        <p:txBody>
+          <a:bodyPr>
+            <a:normAutofit/>
+          </a:bodyPr>
+          <a:lstStyle/>
+          <a:p>
+            <a:r>
+              <a:rPr lang="es-ES" dirty="0" smtClean="0"/>
+              <a:t>Se trata de un sistema operativo de </a:t>
+            </a:r>
+            <a:r>
+              <a:rPr lang="es-ES" dirty="0"/>
+              <a:t>tiempo real diseñado para ser ligero y sencillo de utilizar</a:t>
+            </a:r>
+            <a:r>
+              <a:rPr lang="es-ES" dirty="0" smtClean="0"/>
+              <a:t>.</a:t>
+            </a:r>
+            <a:endParaRPr lang="es-ES" dirty="0"/>
+          </a:p>
+          <a:p>
+            <a:r>
+              <a:rPr lang="es-ES" dirty="0" smtClean="0"/>
+              <a:t>Es de código abierto, líder del mercado de los RTOS, soportado por múltiples arquitecturas.</a:t>
+            </a:r>
+          </a:p>
+          <a:p>
+            <a:r>
+              <a:rPr lang="es-ES" dirty="0" smtClean="0"/>
+              <a:t>Permite el uso de procesos y corrutinas por separado o ambos a la vez.</a:t>
+            </a:r>
+          </a:p>
+          <a:p>
+            <a:r>
+              <a:rPr lang="es-ES" dirty="0" smtClean="0"/>
+              <a:t>Cada proceso se considera un programa independiente.</a:t>
+            </a:r>
+          </a:p>
+          <a:p>
+            <a:r>
+              <a:rPr lang="es-ES" dirty="0" smtClean="0"/>
+              <a:t>Ofrece distintos esquemas de gestión de memoria, junto a la posibilidad de crear el nuestro propio.</a:t>
+            </a:r>
+          </a:p>
+          <a:p>
+            <a:r>
+              <a:rPr lang="es-ES" dirty="0" smtClean="0"/>
+              <a:t>Permite configurar un conjunto de parámetros para optimizar el sistema (</a:t>
+            </a:r>
+            <a:r>
+              <a:rPr lang="es-ES" dirty="0" err="1" smtClean="0"/>
+              <a:t>FreeRTOSConfig.h</a:t>
+            </a:r>
+            <a:r>
+              <a:rPr lang="es-ES" dirty="0" smtClean="0"/>
+              <a:t>).</a:t>
+            </a:r>
           </a:p>
         </p:txBody>
       </p:sp>
@@ -7499,10 +8423,425 @@
           </a:p>
         </p:txBody>
       </p:sp>
+      <p:pic>
+        <p:nvPicPr>
+          <p:cNvPr id="5" name="Imagen 4"/>
+          <p:cNvPicPr>
+            <a:picLocks noChangeAspect="1"/>
+          </p:cNvPicPr>
+          <p:nvPr/>
+        </p:nvPicPr>
+        <p:blipFill>
+          <a:blip r:embed="rId3">
+            <a:extLst>
+              <a:ext uri="{28A0092B-C50C-407E-A947-70E740481C1C}">
+                <a14:useLocalDpi xmlns:a14="http://schemas.microsoft.com/office/drawing/2010/main" val="0"/>
+              </a:ext>
+            </a:extLst>
+          </a:blip>
+          <a:stretch>
+            <a:fillRect/>
+          </a:stretch>
+        </p:blipFill>
+        <p:spPr>
+          <a:xfrm>
+            <a:off x="8665030" y="3090333"/>
+            <a:ext cx="2247900" cy="876300"/>
+          </a:xfrm>
+          <a:prstGeom prst="rect">
+            <a:avLst/>
+          </a:prstGeom>
+        </p:spPr>
+      </p:pic>
     </p:spTree>
     <p:extLst>
       <p:ext uri="{BB962C8B-B14F-4D97-AF65-F5344CB8AC3E}">
-        <p14:creationId xmlns:p14="http://schemas.microsoft.com/office/powerpoint/2010/main" val="3578951386"/>
+        <p14:creationId xmlns:p14="http://schemas.microsoft.com/office/powerpoint/2010/main" val="2527234406"/>
+      </p:ext>
+    </p:extLst>
+  </p:cSld>
+  <p:clrMapOvr>
+    <a:masterClrMapping/>
+  </p:clrMapOvr>
+  <p:timing>
+    <p:tnLst>
+      <p:par>
+        <p:cTn id="1" dur="indefinite" restart="never" nodeType="tmRoot"/>
+      </p:par>
+    </p:tnLst>
+  </p:timing>
+</p:sld>
+</file>
+
+<file path=ppt/slides/slide7.xml><?xml version="1.0" encoding="utf-8"?>
+<p:sld xmlns:a="http://schemas.openxmlformats.org/drawingml/2006/main" xmlns:r="http://schemas.openxmlformats.org/officeDocument/2006/relationships" xmlns:p="http://schemas.openxmlformats.org/presentationml/2006/main">
+  <p:cSld>
+    <p:spTree>
+      <p:nvGrpSpPr>
+        <p:cNvPr id="1" name=""/>
+        <p:cNvGrpSpPr/>
+        <p:nvPr/>
+      </p:nvGrpSpPr>
+      <p:grpSpPr>
+        <a:xfrm>
+          <a:off x="0" y="0"/>
+          <a:ext cx="0" cy="0"/>
+          <a:chOff x="0" y="0"/>
+          <a:chExt cx="0" cy="0"/>
+        </a:xfrm>
+      </p:grpSpPr>
+      <p:sp>
+        <p:nvSpPr>
+          <p:cNvPr id="2" name="Título 1"/>
+          <p:cNvSpPr>
+            <a:spLocks noGrp="1"/>
+          </p:cNvSpPr>
+          <p:nvPr>
+            <p:ph type="title"/>
+          </p:nvPr>
+        </p:nvSpPr>
+        <p:spPr/>
+        <p:txBody>
+          <a:bodyPr/>
+          <a:lstStyle/>
+          <a:p>
+            <a:r>
+              <a:rPr lang="es-ES" dirty="0" err="1" smtClean="0"/>
+              <a:t>Indice</a:t>
+            </a:r>
+            <a:endParaRPr lang="es-ES" dirty="0"/>
+          </a:p>
+        </p:txBody>
+      </p:sp>
+      <p:sp>
+        <p:nvSpPr>
+          <p:cNvPr id="3" name="Marcador de contenido 2"/>
+          <p:cNvSpPr>
+            <a:spLocks noGrp="1"/>
+          </p:cNvSpPr>
+          <p:nvPr>
+            <p:ph idx="1"/>
+          </p:nvPr>
+        </p:nvSpPr>
+        <p:spPr/>
+        <p:txBody>
+          <a:bodyPr/>
+          <a:lstStyle/>
+          <a:p>
+            <a:r>
+              <a:rPr lang="es-ES" dirty="0" smtClean="0"/>
+              <a:t>Introducción</a:t>
+            </a:r>
+          </a:p>
+          <a:p>
+            <a:pPr lvl="1"/>
+            <a:r>
+              <a:rPr lang="es-ES" dirty="0" smtClean="0"/>
+              <a:t>Zybo</a:t>
+            </a:r>
+          </a:p>
+          <a:p>
+            <a:pPr lvl="1"/>
+            <a:r>
+              <a:rPr lang="es-ES" dirty="0" smtClean="0"/>
+              <a:t>Vivado</a:t>
+            </a:r>
+          </a:p>
+          <a:p>
+            <a:pPr lvl="1"/>
+            <a:r>
+              <a:rPr lang="es-ES" dirty="0" err="1" smtClean="0"/>
+              <a:t>FreeRTOS</a:t>
+            </a:r>
+            <a:endParaRPr lang="es-ES" dirty="0" smtClean="0"/>
+          </a:p>
+          <a:p>
+            <a:r>
+              <a:rPr lang="es-ES" dirty="0" smtClean="0"/>
+              <a:t>Desarrollo del proyecto</a:t>
+            </a:r>
+          </a:p>
+          <a:p>
+            <a:pPr lvl="1"/>
+            <a:r>
+              <a:rPr lang="es-ES" dirty="0" smtClean="0"/>
+              <a:t>Montaje del sistema (hardware)</a:t>
+            </a:r>
+          </a:p>
+          <a:p>
+            <a:pPr lvl="1"/>
+            <a:r>
+              <a:rPr lang="es-ES" dirty="0" smtClean="0"/>
+              <a:t>Importar sistema operativo</a:t>
+            </a:r>
+          </a:p>
+          <a:p>
+            <a:pPr lvl="1"/>
+            <a:r>
+              <a:rPr lang="es-ES" dirty="0" smtClean="0"/>
+              <a:t>Prueba de funcionamiento</a:t>
+            </a:r>
+          </a:p>
+          <a:p>
+            <a:pPr lvl="1"/>
+            <a:endParaRPr lang="es-ES" dirty="0" smtClean="0"/>
+          </a:p>
+        </p:txBody>
+      </p:sp>
+      <p:sp>
+        <p:nvSpPr>
+          <p:cNvPr id="4" name="Marcador de número de diapositiva 3"/>
+          <p:cNvSpPr>
+            <a:spLocks noGrp="1"/>
+          </p:cNvSpPr>
+          <p:nvPr>
+            <p:ph type="sldNum" sz="quarter" idx="12"/>
+          </p:nvPr>
+        </p:nvSpPr>
+        <p:spPr/>
+        <p:txBody>
+          <a:bodyPr/>
+          <a:lstStyle/>
+          <a:p>
+            <a:fld id="{F6E37DCB-E371-4D1B-87CF-D1C21CC4CB5D}" type="slidenum">
+              <a:rPr lang="es-ES" smtClean="0"/>
+              <a:t>7</a:t>
+            </a:fld>
+            <a:endParaRPr lang="es-ES"/>
+          </a:p>
+        </p:txBody>
+      </p:sp>
+    </p:spTree>
+    <p:extLst>
+      <p:ext uri="{BB962C8B-B14F-4D97-AF65-F5344CB8AC3E}">
+        <p14:creationId xmlns:p14="http://schemas.microsoft.com/office/powerpoint/2010/main" val="2143786633"/>
+      </p:ext>
+    </p:extLst>
+  </p:cSld>
+  <p:clrMapOvr>
+    <a:masterClrMapping/>
+  </p:clrMapOvr>
+  <p:timing>
+    <p:tnLst>
+      <p:par>
+        <p:cTn id="1" dur="indefinite" restart="never" nodeType="tmRoot"/>
+      </p:par>
+    </p:tnLst>
+  </p:timing>
+</p:sld>
+</file>
+
+<file path=ppt/slides/slide8.xml><?xml version="1.0" encoding="utf-8"?>
+<p:sld xmlns:a="http://schemas.openxmlformats.org/drawingml/2006/main" xmlns:r="http://schemas.openxmlformats.org/officeDocument/2006/relationships" xmlns:p="http://schemas.openxmlformats.org/presentationml/2006/main">
+  <p:cSld>
+    <p:spTree>
+      <p:nvGrpSpPr>
+        <p:cNvPr id="1" name=""/>
+        <p:cNvGrpSpPr/>
+        <p:nvPr/>
+      </p:nvGrpSpPr>
+      <p:grpSpPr>
+        <a:xfrm>
+          <a:off x="0" y="0"/>
+          <a:ext cx="0" cy="0"/>
+          <a:chOff x="0" y="0"/>
+          <a:chExt cx="0" cy="0"/>
+        </a:xfrm>
+      </p:grpSpPr>
+      <p:sp>
+        <p:nvSpPr>
+          <p:cNvPr id="2" name="Título 1"/>
+          <p:cNvSpPr>
+            <a:spLocks noGrp="1"/>
+          </p:cNvSpPr>
+          <p:nvPr>
+            <p:ph type="title"/>
+          </p:nvPr>
+        </p:nvSpPr>
+        <p:spPr/>
+        <p:txBody>
+          <a:bodyPr/>
+          <a:lstStyle/>
+          <a:p>
+            <a:r>
+              <a:rPr lang="es-ES" dirty="0" smtClean="0"/>
+              <a:t>Montaje hardware</a:t>
+            </a:r>
+            <a:endParaRPr lang="es-ES" dirty="0"/>
+          </a:p>
+        </p:txBody>
+      </p:sp>
+      <p:sp>
+        <p:nvSpPr>
+          <p:cNvPr id="3" name="Marcador de contenido 2"/>
+          <p:cNvSpPr>
+            <a:spLocks noGrp="1"/>
+          </p:cNvSpPr>
+          <p:nvPr>
+            <p:ph idx="1"/>
+          </p:nvPr>
+        </p:nvSpPr>
+        <p:spPr/>
+        <p:txBody>
+          <a:bodyPr/>
+          <a:lstStyle/>
+          <a:p>
+            <a:r>
+              <a:rPr lang="es-ES" dirty="0" smtClean="0"/>
+              <a:t>No todas las interfaces de la placa están instaladas de forma predeterminada, por lo que hay que insertarlas y conectarlas.</a:t>
+            </a:r>
+          </a:p>
+          <a:p>
+            <a:r>
+              <a:rPr lang="es-ES" dirty="0" smtClean="0"/>
+              <a:t>En algunos casos, como VGA y HDMI, hay que crear un </a:t>
+            </a:r>
+            <a:r>
+              <a:rPr lang="es-ES" dirty="0" err="1" smtClean="0"/>
+              <a:t>Core</a:t>
+            </a:r>
+            <a:r>
+              <a:rPr lang="es-ES" dirty="0" smtClean="0"/>
+              <a:t>-IP a partir de código VHDL.</a:t>
+            </a:r>
+          </a:p>
+          <a:p>
+            <a:r>
+              <a:rPr lang="es-ES" dirty="0" smtClean="0"/>
+              <a:t>A continuación, se puede observar el diagrama de bloques:</a:t>
+            </a:r>
+            <a:endParaRPr lang="es-ES" dirty="0"/>
+          </a:p>
+        </p:txBody>
+      </p:sp>
+      <p:sp>
+        <p:nvSpPr>
+          <p:cNvPr id="4" name="Marcador de número de diapositiva 3"/>
+          <p:cNvSpPr>
+            <a:spLocks noGrp="1"/>
+          </p:cNvSpPr>
+          <p:nvPr>
+            <p:ph type="sldNum" sz="quarter" idx="12"/>
+          </p:nvPr>
+        </p:nvSpPr>
+        <p:spPr/>
+        <p:txBody>
+          <a:bodyPr/>
+          <a:lstStyle/>
+          <a:p>
+            <a:fld id="{F6E37DCB-E371-4D1B-87CF-D1C21CC4CB5D}" type="slidenum">
+              <a:rPr lang="es-ES" smtClean="0"/>
+              <a:t>8</a:t>
+            </a:fld>
+            <a:endParaRPr lang="es-ES"/>
+          </a:p>
+        </p:txBody>
+      </p:sp>
+    </p:spTree>
+    <p:extLst>
+      <p:ext uri="{BB962C8B-B14F-4D97-AF65-F5344CB8AC3E}">
+        <p14:creationId xmlns:p14="http://schemas.microsoft.com/office/powerpoint/2010/main" val="131815259"/>
+      </p:ext>
+    </p:extLst>
+  </p:cSld>
+  <p:clrMapOvr>
+    <a:masterClrMapping/>
+  </p:clrMapOvr>
+  <p:timing>
+    <p:tnLst>
+      <p:par>
+        <p:cTn id="1" dur="indefinite" restart="never" nodeType="tmRoot"/>
+      </p:par>
+    </p:tnLst>
+  </p:timing>
+</p:sld>
+</file>
+
+<file path=ppt/slides/slide9.xml><?xml version="1.0" encoding="utf-8"?>
+<p:sld xmlns:a="http://schemas.openxmlformats.org/drawingml/2006/main" xmlns:r="http://schemas.openxmlformats.org/officeDocument/2006/relationships" xmlns:p="http://schemas.openxmlformats.org/presentationml/2006/main">
+  <p:cSld>
+    <p:spTree>
+      <p:nvGrpSpPr>
+        <p:cNvPr id="1" name=""/>
+        <p:cNvGrpSpPr/>
+        <p:nvPr/>
+      </p:nvGrpSpPr>
+      <p:grpSpPr>
+        <a:xfrm>
+          <a:off x="0" y="0"/>
+          <a:ext cx="0" cy="0"/>
+          <a:chOff x="0" y="0"/>
+          <a:chExt cx="0" cy="0"/>
+        </a:xfrm>
+      </p:grpSpPr>
+      <p:sp>
+        <p:nvSpPr>
+          <p:cNvPr id="4" name="Marcador de número de diapositiva 3"/>
+          <p:cNvSpPr>
+            <a:spLocks noGrp="1"/>
+          </p:cNvSpPr>
+          <p:nvPr>
+            <p:ph type="sldNum" sz="quarter" idx="12"/>
+          </p:nvPr>
+        </p:nvSpPr>
+        <p:spPr/>
+        <p:txBody>
+          <a:bodyPr/>
+          <a:lstStyle/>
+          <a:p>
+            <a:fld id="{F6E37DCB-E371-4D1B-87CF-D1C21CC4CB5D}" type="slidenum">
+              <a:rPr lang="es-ES" smtClean="0"/>
+              <a:t>9</a:t>
+            </a:fld>
+            <a:endParaRPr lang="es-ES"/>
+          </a:p>
+        </p:txBody>
+      </p:sp>
+      <p:pic>
+        <p:nvPicPr>
+          <p:cNvPr id="4098" name="Picture 2" descr="C:\Users\Paolo\AppData\Local\Temp\x10sctmp2.png"/>
+          <p:cNvPicPr>
+            <a:picLocks noChangeAspect="1" noChangeArrowheads="1"/>
+          </p:cNvPicPr>
+          <p:nvPr/>
+        </p:nvPicPr>
+        <p:blipFill>
+          <a:blip r:embed="rId2">
+            <a:extLst>
+              <a:ext uri="{28A0092B-C50C-407E-A947-70E740481C1C}">
+                <a14:useLocalDpi xmlns:a14="http://schemas.microsoft.com/office/drawing/2010/main" val="0"/>
+              </a:ext>
+            </a:extLst>
+          </a:blip>
+          <a:srcRect/>
+          <a:stretch>
+            <a:fillRect/>
+          </a:stretch>
+        </p:blipFill>
+        <p:spPr bwMode="auto">
+          <a:xfrm>
+            <a:off x="0" y="0"/>
+            <a:ext cx="12192000" cy="6858000"/>
+          </a:xfrm>
+          <a:prstGeom prst="rect">
+            <a:avLst/>
+          </a:prstGeom>
+          <a:noFill/>
+          <a:extLst>
+            <a:ext uri="{909E8E84-426E-40DD-AFC4-6F175D3DCCD1}">
+              <a14:hiddenFill xmlns:a14="http://schemas.microsoft.com/office/drawing/2010/main">
+                <a:solidFill>
+                  <a:srgbClr val="FFFFFF"/>
+                </a:solidFill>
+              </a14:hiddenFill>
+            </a:ext>
+          </a:extLst>
+        </p:spPr>
+      </p:pic>
+    </p:spTree>
+    <p:extLst>
+      <p:ext uri="{BB962C8B-B14F-4D97-AF65-F5344CB8AC3E}">
+        <p14:creationId xmlns:p14="http://schemas.microsoft.com/office/powerpoint/2010/main" val="1836910152"/>
       </p:ext>
     </p:extLst>
   </p:cSld>

--- a/FreeRTOS/presentación.pptx
+++ b/FreeRTOS/presentación.pptx
@@ -7958,8 +7958,13 @@
             </a:pPr>
             <a:r>
               <a:rPr lang="es-ES" dirty="0" smtClean="0"/>
-              <a:t>FPGA</a:t>
-            </a:r>
+              <a:t>FPGA Artix-7 de </a:t>
+            </a:r>
+            <a:r>
+              <a:rPr lang="es-ES" smtClean="0"/>
+              <a:t>Xillinx</a:t>
+            </a:r>
+            <a:endParaRPr lang="es-ES" dirty="0" smtClean="0"/>
           </a:p>
           <a:p>
             <a:pPr marL="285750" indent="-285750">

--- a/FreeRTOS/presentación.pptx
+++ b/FreeRTOS/presentación.pptx
@@ -7961,7 +7961,7 @@
               <a:t>FPGA Artix-7 de </a:t>
             </a:r>
             <a:r>
-              <a:rPr lang="es-ES" smtClean="0"/>
+              <a:rPr lang="es-ES" dirty="0" err="1" smtClean="0"/>
               <a:t>Xillinx</a:t>
             </a:r>
             <a:endParaRPr lang="es-ES" dirty="0" smtClean="0"/>
